--- a/SITEMAP.pptx
+++ b/SITEMAP.pptx
@@ -4011,7 +4011,7 @@
         <p:spPr>
           <a:xfrm>
             <a:off x="3315025" y="2102064"/>
-            <a:ext cx="7738" cy="2889614"/>
+            <a:ext cx="17997" cy="3036538"/>
           </a:xfrm>
           <a:prstGeom prst="line">
             <a:avLst/>
@@ -4034,148 +4034,6 @@
           </a:fontRef>
         </p:style>
       </p:cxnSp>
-      <p:grpSp>
-        <p:nvGrpSpPr>
-          <p:cNvPr id="82" name="Group 81">
-            <a:extLst>
-              <a:ext uri="{FF2B5EF4-FFF2-40B4-BE49-F238E27FC236}">
-                <a16:creationId xmlns:a16="http://schemas.microsoft.com/office/drawing/2014/main" id="{2B069554-42C0-6F81-0CA5-C93E2CE5A1FE}"/>
-              </a:ext>
-            </a:extLst>
-          </p:cNvPr>
-          <p:cNvGrpSpPr/>
-          <p:nvPr/>
-        </p:nvGrpSpPr>
-        <p:grpSpPr>
-          <a:xfrm>
-            <a:off x="3070898" y="3080547"/>
-            <a:ext cx="251865" cy="1901924"/>
-            <a:chOff x="1703183" y="3119765"/>
-            <a:chExt cx="251865" cy="1901924"/>
-          </a:xfrm>
-        </p:grpSpPr>
-        <p:cxnSp>
-          <p:nvCxnSpPr>
-            <p:cNvPr id="111" name="Straight Connector 110">
-              <a:extLst>
-                <a:ext uri="{FF2B5EF4-FFF2-40B4-BE49-F238E27FC236}">
-                  <a16:creationId xmlns:a16="http://schemas.microsoft.com/office/drawing/2014/main" id="{F9F4299B-B5ED-822A-A36B-600ECEA8C7B6}"/>
-                </a:ext>
-              </a:extLst>
-            </p:cNvPr>
-            <p:cNvCxnSpPr>
-              <a:endCxn id="26" idx="1"/>
-            </p:cNvCxnSpPr>
-            <p:nvPr/>
-          </p:nvCxnSpPr>
-          <p:spPr>
-            <a:xfrm>
-              <a:off x="1708500" y="3119765"/>
-              <a:ext cx="246548" cy="5790"/>
-            </a:xfrm>
-            <a:prstGeom prst="line">
-              <a:avLst/>
-            </a:prstGeom>
-          </p:spPr>
-          <p:style>
-            <a:lnRef idx="2">
-              <a:schemeClr val="dk1">
-                <a:shade val="15000"/>
-              </a:schemeClr>
-            </a:lnRef>
-            <a:fillRef idx="1">
-              <a:schemeClr val="dk1"/>
-            </a:fillRef>
-            <a:effectRef idx="0">
-              <a:schemeClr val="dk1"/>
-            </a:effectRef>
-            <a:fontRef idx="minor">
-              <a:schemeClr val="lt1"/>
-            </a:fontRef>
-          </p:style>
-        </p:cxnSp>
-        <p:cxnSp>
-          <p:nvCxnSpPr>
-            <p:cNvPr id="113" name="Straight Connector 112">
-              <a:extLst>
-                <a:ext uri="{FF2B5EF4-FFF2-40B4-BE49-F238E27FC236}">
-                  <a16:creationId xmlns:a16="http://schemas.microsoft.com/office/drawing/2014/main" id="{F0BB5E92-2CAC-B8D9-14B8-FCB9EEA18F28}"/>
-                </a:ext>
-              </a:extLst>
-            </p:cNvPr>
-            <p:cNvCxnSpPr>
-              <a:endCxn id="27" idx="1"/>
-            </p:cNvCxnSpPr>
-            <p:nvPr/>
-          </p:nvCxnSpPr>
-          <p:spPr>
-            <a:xfrm>
-              <a:off x="1718660" y="4068344"/>
-              <a:ext cx="236388" cy="5278"/>
-            </a:xfrm>
-            <a:prstGeom prst="line">
-              <a:avLst/>
-            </a:prstGeom>
-          </p:spPr>
-          <p:style>
-            <a:lnRef idx="2">
-              <a:schemeClr val="dk1">
-                <a:shade val="15000"/>
-              </a:schemeClr>
-            </a:lnRef>
-            <a:fillRef idx="1">
-              <a:schemeClr val="dk1"/>
-            </a:fillRef>
-            <a:effectRef idx="0">
-              <a:schemeClr val="dk1"/>
-            </a:effectRef>
-            <a:fontRef idx="minor">
-              <a:schemeClr val="lt1"/>
-            </a:fontRef>
-          </p:style>
-        </p:cxnSp>
-        <p:cxnSp>
-          <p:nvCxnSpPr>
-            <p:cNvPr id="115" name="Straight Connector 114">
-              <a:extLst>
-                <a:ext uri="{FF2B5EF4-FFF2-40B4-BE49-F238E27FC236}">
-                  <a16:creationId xmlns:a16="http://schemas.microsoft.com/office/drawing/2014/main" id="{37EA4D23-025C-A997-3318-8A6E9E7F8822}"/>
-                </a:ext>
-              </a:extLst>
-            </p:cNvPr>
-            <p:cNvCxnSpPr>
-              <a:cxnSpLocks/>
-              <a:endCxn id="28" idx="1"/>
-            </p:cNvCxnSpPr>
-            <p:nvPr/>
-          </p:nvCxnSpPr>
-          <p:spPr>
-            <a:xfrm>
-              <a:off x="1703183" y="5016924"/>
-              <a:ext cx="251865" cy="4765"/>
-            </a:xfrm>
-            <a:prstGeom prst="line">
-              <a:avLst/>
-            </a:prstGeom>
-          </p:spPr>
-          <p:style>
-            <a:lnRef idx="2">
-              <a:schemeClr val="dk1">
-                <a:shade val="15000"/>
-              </a:schemeClr>
-            </a:lnRef>
-            <a:fillRef idx="1">
-              <a:schemeClr val="dk1"/>
-            </a:fillRef>
-            <a:effectRef idx="0">
-              <a:schemeClr val="dk1"/>
-            </a:effectRef>
-            <a:fontRef idx="minor">
-              <a:schemeClr val="lt1"/>
-            </a:fontRef>
-          </p:style>
-        </p:cxnSp>
-      </p:grpSp>
       <p:cxnSp>
         <p:nvCxnSpPr>
           <p:cNvPr id="118" name="Straight Connector 117">
@@ -4943,7 +4801,7 @@
             <a:p>
               <a:pPr algn="ctr"/>
               <a:r>
-                <a:rPr lang="en-US" dirty="0" err="1">
+                <a:rPr lang="en-US" dirty="0">
                   <a:ln w="0"/>
                   <a:solidFill>
                     <a:schemeClr val="bg1"/>
@@ -4956,21 +4814,8 @@
                     </a:outerShdw>
                   </a:effectLst>
                 </a:rPr>
-                <a:t>Enuiqry</a:t>
+                <a:t>Enquiry</a:t>
               </a:r>
-              <a:endParaRPr lang="en-US" dirty="0">
-                <a:ln w="0"/>
-                <a:solidFill>
-                  <a:schemeClr val="bg1"/>
-                </a:solidFill>
-                <a:effectLst>
-                  <a:outerShdw blurRad="38100" dist="19050" dir="2700000" algn="tl" rotWithShape="0">
-                    <a:schemeClr val="dk1">
-                      <a:alpha val="40000"/>
-                    </a:schemeClr>
-                  </a:outerShdw>
-                </a:effectLst>
-              </a:endParaRPr>
             </a:p>
           </p:txBody>
         </p:sp>
@@ -6316,7 +6161,7 @@
         <p:grpSpPr>
           <a:xfrm>
             <a:off x="1955048" y="4622069"/>
-            <a:ext cx="1099315" cy="799239"/>
+            <a:ext cx="1099315" cy="925903"/>
             <a:chOff x="2359828" y="4653486"/>
             <a:chExt cx="1178049" cy="789709"/>
           </a:xfrm>
@@ -6500,8 +6345,8 @@
         </p:nvGrpSpPr>
         <p:grpSpPr>
           <a:xfrm>
-            <a:off x="1955048" y="3674002"/>
-            <a:ext cx="1099315" cy="799239"/>
+            <a:off x="1935110" y="3662759"/>
+            <a:ext cx="1099315" cy="925903"/>
             <a:chOff x="2359828" y="3705419"/>
             <a:chExt cx="1178049" cy="789709"/>
           </a:xfrm>
@@ -6645,18 +6490,13 @@
             <a:p>
               <a:pPr algn="ctr"/>
               <a:r>
-                <a:rPr lang="en-US" dirty="0" err="1">
+                <a:rPr lang="en-US" dirty="0">
                   <a:solidFill>
                     <a:schemeClr val="bg1"/>
                   </a:solidFill>
                 </a:rPr>
                 <a:t>current_activities</a:t>
               </a:r>
-              <a:endParaRPr lang="en-US" dirty="0">
-                <a:solidFill>
-                  <a:schemeClr val="bg1"/>
-                </a:solidFill>
-              </a:endParaRPr>
             </a:p>
           </p:txBody>
         </p:sp>
@@ -6675,7 +6515,7 @@
         </p:nvGrpSpPr>
         <p:grpSpPr>
           <a:xfrm>
-            <a:off x="1955048" y="2725935"/>
+            <a:off x="1934755" y="2749776"/>
             <a:ext cx="1099316" cy="799239"/>
             <a:chOff x="2359828" y="2757352"/>
             <a:chExt cx="1178050" cy="789709"/>
@@ -6820,18 +6660,13 @@
             <a:p>
               <a:pPr algn="ctr"/>
               <a:r>
-                <a:rPr lang="en-US" dirty="0" err="1">
+                <a:rPr lang="en-US" dirty="0">
                   <a:solidFill>
                     <a:schemeClr val="bg1"/>
                   </a:solidFill>
                 </a:rPr>
                 <a:t>coming_soon</a:t>
               </a:r>
-              <a:endParaRPr lang="en-US" dirty="0">
-                <a:solidFill>
-                  <a:schemeClr val="bg1"/>
-                </a:solidFill>
-              </a:endParaRPr>
             </a:p>
           </p:txBody>
         </p:sp>
@@ -7202,13 +7037,8 @@
           <a:p>
             <a:r>
               <a:rPr lang="en-US" dirty="0"/>
-              <a:t>Jared </a:t>
+              <a:t>Jared Teh</a:t>
             </a:r>
-            <a:r>
-              <a:rPr lang="en-US" dirty="0" err="1"/>
-              <a:t>Teh</a:t>
-            </a:r>
-            <a:endParaRPr lang="en-US" dirty="0"/>
           </a:p>
         </p:txBody>
       </p:sp>
@@ -7282,6 +7112,122 @@
           </a:p>
         </p:txBody>
       </p:sp>
+      <p:cxnSp>
+        <p:nvCxnSpPr>
+          <p:cNvPr id="2" name="Straight Connector 1">
+            <a:extLst>
+              <a:ext uri="{FF2B5EF4-FFF2-40B4-BE49-F238E27FC236}">
+                <a16:creationId xmlns:a16="http://schemas.microsoft.com/office/drawing/2014/main" id="{660C04B5-29E4-E14D-054F-79B0161FA982}"/>
+              </a:ext>
+            </a:extLst>
+          </p:cNvPr>
+          <p:cNvCxnSpPr>
+            <a:cxnSpLocks/>
+            <a:stCxn id="25" idx="3"/>
+          </p:cNvCxnSpPr>
+          <p:nvPr/>
+        </p:nvCxnSpPr>
+        <p:spPr>
+          <a:xfrm flipV="1">
+            <a:off x="2995126" y="3143271"/>
+            <a:ext cx="337896" cy="5088"/>
+          </a:xfrm>
+          <a:prstGeom prst="line">
+            <a:avLst/>
+          </a:prstGeom>
+        </p:spPr>
+        <p:style>
+          <a:lnRef idx="2">
+            <a:schemeClr val="dk1"/>
+          </a:lnRef>
+          <a:fillRef idx="0">
+            <a:schemeClr val="dk1"/>
+          </a:fillRef>
+          <a:effectRef idx="1">
+            <a:schemeClr val="dk1"/>
+          </a:effectRef>
+          <a:fontRef idx="minor">
+            <a:schemeClr val="tx1"/>
+          </a:fontRef>
+        </p:style>
+      </p:cxnSp>
+      <p:cxnSp>
+        <p:nvCxnSpPr>
+          <p:cNvPr id="47" name="Straight Connector 46">
+            <a:extLst>
+              <a:ext uri="{FF2B5EF4-FFF2-40B4-BE49-F238E27FC236}">
+                <a16:creationId xmlns:a16="http://schemas.microsoft.com/office/drawing/2014/main" id="{19608D76-6FB2-B617-9622-FDC2E669E113}"/>
+              </a:ext>
+            </a:extLst>
+          </p:cNvPr>
+          <p:cNvCxnSpPr>
+            <a:cxnSpLocks/>
+            <a:stCxn id="29" idx="3"/>
+          </p:cNvCxnSpPr>
+          <p:nvPr/>
+        </p:nvCxnSpPr>
+        <p:spPr>
+          <a:xfrm flipV="1">
+            <a:off x="2995481" y="4114480"/>
+            <a:ext cx="334132" cy="4776"/>
+          </a:xfrm>
+          <a:prstGeom prst="line">
+            <a:avLst/>
+          </a:prstGeom>
+        </p:spPr>
+        <p:style>
+          <a:lnRef idx="2">
+            <a:schemeClr val="dk1"/>
+          </a:lnRef>
+          <a:fillRef idx="0">
+            <a:schemeClr val="dk1"/>
+          </a:fillRef>
+          <a:effectRef idx="1">
+            <a:schemeClr val="dk1"/>
+          </a:effectRef>
+          <a:fontRef idx="minor">
+            <a:schemeClr val="tx1"/>
+          </a:fontRef>
+        </p:style>
+      </p:cxnSp>
+      <p:cxnSp>
+        <p:nvCxnSpPr>
+          <p:cNvPr id="51" name="Straight Connector 50">
+            <a:extLst>
+              <a:ext uri="{FF2B5EF4-FFF2-40B4-BE49-F238E27FC236}">
+                <a16:creationId xmlns:a16="http://schemas.microsoft.com/office/drawing/2014/main" id="{40863CB8-04CD-2A55-217A-301203DBB823}"/>
+              </a:ext>
+            </a:extLst>
+          </p:cNvPr>
+          <p:cNvCxnSpPr>
+            <a:cxnSpLocks/>
+          </p:cNvCxnSpPr>
+          <p:nvPr/>
+        </p:nvCxnSpPr>
+        <p:spPr>
+          <a:xfrm>
+            <a:off x="3110060" y="5138602"/>
+            <a:ext cx="217257" cy="0"/>
+          </a:xfrm>
+          <a:prstGeom prst="line">
+            <a:avLst/>
+          </a:prstGeom>
+        </p:spPr>
+        <p:style>
+          <a:lnRef idx="2">
+            <a:schemeClr val="dk1"/>
+          </a:lnRef>
+          <a:fillRef idx="0">
+            <a:schemeClr val="dk1"/>
+          </a:fillRef>
+          <a:effectRef idx="1">
+            <a:schemeClr val="dk1"/>
+          </a:effectRef>
+          <a:fontRef idx="minor">
+            <a:schemeClr val="tx1"/>
+          </a:fontRef>
+        </p:style>
+      </p:cxnSp>
     </p:spTree>
     <p:extLst>
       <p:ext uri="{BB962C8B-B14F-4D97-AF65-F5344CB8AC3E}">
